--- a/slide.pptx
+++ b/slide.pptx
@@ -10,10 +10,12 @@
     <p:sldId id="258" r:id="rId4"/>
     <p:sldId id="260" r:id="rId5"/>
     <p:sldId id="262" r:id="rId6"/>
-    <p:sldId id="261" r:id="rId7"/>
-    <p:sldId id="263" r:id="rId8"/>
-    <p:sldId id="264" r:id="rId9"/>
-    <p:sldId id="265" r:id="rId10"/>
+    <p:sldId id="266" r:id="rId7"/>
+    <p:sldId id="261" r:id="rId8"/>
+    <p:sldId id="263" r:id="rId9"/>
+    <p:sldId id="264" r:id="rId10"/>
+    <p:sldId id="265" r:id="rId11"/>
+    <p:sldId id="267" r:id="rId12"/>
   </p:sldIdLst>
   <p:sldSz cx="12192000" cy="6858000"/>
   <p:notesSz cx="6858000" cy="9144000"/>
@@ -6155,6 +6157,636 @@
 </p:sld>
 </file>
 
+<file path=ppt/slides/slide10.xml><?xml version="1.0" encoding="utf-8"?>
+<p:sld xmlns:a="http://schemas.openxmlformats.org/drawingml/2006/main" xmlns:r="http://schemas.openxmlformats.org/officeDocument/2006/relationships" xmlns:p="http://schemas.openxmlformats.org/presentationml/2006/main">
+  <p:cSld>
+    <p:bg>
+      <p:bgPr>
+        <a:solidFill>
+          <a:schemeClr val="bg1"/>
+        </a:solidFill>
+        <a:effectLst/>
+      </p:bgPr>
+    </p:bg>
+    <p:spTree>
+      <p:nvGrpSpPr>
+        <p:cNvPr id="1" name=""/>
+        <p:cNvGrpSpPr/>
+        <p:nvPr/>
+      </p:nvGrpSpPr>
+      <p:grpSpPr>
+        <a:xfrm>
+          <a:off x="0" y="0"/>
+          <a:ext cx="0" cy="0"/>
+          <a:chOff x="0" y="0"/>
+          <a:chExt cx="0" cy="0"/>
+        </a:xfrm>
+      </p:grpSpPr>
+      <p:sp>
+        <p:nvSpPr>
+          <p:cNvPr id="14" name="Rectangle 7">
+            <a:extLst>
+              <a:ext uri="{FF2B5EF4-FFF2-40B4-BE49-F238E27FC236}">
+                <a16:creationId xmlns:a16="http://schemas.microsoft.com/office/drawing/2014/main" id="{8D70B121-56F4-4848-B38B-182089D909FA}"/>
+              </a:ext>
+              <a:ext uri="{C183D7F6-B498-43B3-948B-1728B52AA6E4}">
+                <adec:decorative xmlns:adec="http://schemas.microsoft.com/office/drawing/2017/decorative" val="1"/>
+              </a:ext>
+            </a:extLst>
+          </p:cNvPr>
+          <p:cNvSpPr>
+            <a:spLocks noGrp="1" noRot="1" noChangeAspect="1" noMove="1" noResize="1" noEditPoints="1" noAdjustHandles="1" noChangeArrowheads="1" noChangeShapeType="1" noTextEdit="1"/>
+          </p:cNvSpPr>
+          <p:nvPr>
+            <p:extLst>
+              <p:ext uri="{386F3935-93C4-4BCD-93E2-E3B085C9AB24}">
+                <p16:designElem xmlns:p16="http://schemas.microsoft.com/office/powerpoint/2015/main" val="1"/>
+              </p:ext>
+            </p:extLst>
+          </p:nvPr>
+        </p:nvSpPr>
+        <p:spPr bwMode="ltGray">
+          <a:xfrm>
+            <a:off x="321564" y="320040"/>
+            <a:ext cx="11548872" cy="6217920"/>
+          </a:xfrm>
+          <a:prstGeom prst="rect">
+            <a:avLst/>
+          </a:prstGeom>
+          <a:solidFill>
+            <a:schemeClr val="tx1">
+              <a:alpha val="8000"/>
+            </a:schemeClr>
+          </a:solidFill>
+          <a:ln w="127000" cap="sq" cmpd="thinThick">
+            <a:noFill/>
+          </a:ln>
+        </p:spPr>
+        <p:style>
+          <a:lnRef idx="2">
+            <a:schemeClr val="accent1">
+              <a:shade val="50000"/>
+            </a:schemeClr>
+          </a:lnRef>
+          <a:fillRef idx="1">
+            <a:schemeClr val="accent1"/>
+          </a:fillRef>
+          <a:effectRef idx="0">
+            <a:schemeClr val="accent1"/>
+          </a:effectRef>
+          <a:fontRef idx="minor">
+            <a:schemeClr val="lt1"/>
+          </a:fontRef>
+        </p:style>
+        <p:txBody>
+          <a:bodyPr rtlCol="0" anchor="ctr"/>
+          <a:lstStyle/>
+          <a:p>
+            <a:pPr algn="ctr"/>
+            <a:endParaRPr lang="en-US"/>
+          </a:p>
+        </p:txBody>
+      </p:sp>
+      <p:sp>
+        <p:nvSpPr>
+          <p:cNvPr id="2" name="Título 1">
+            <a:extLst>
+              <a:ext uri="{FF2B5EF4-FFF2-40B4-BE49-F238E27FC236}">
+                <a16:creationId xmlns:a16="http://schemas.microsoft.com/office/drawing/2014/main" id="{730D51E4-49A3-4D45-83E2-80F609A70FDE}"/>
+              </a:ext>
+            </a:extLst>
+          </p:cNvPr>
+          <p:cNvSpPr>
+            <a:spLocks noGrp="1"/>
+          </p:cNvSpPr>
+          <p:nvPr>
+            <p:ph type="title"/>
+          </p:nvPr>
+        </p:nvSpPr>
+        <p:spPr>
+          <a:xfrm>
+            <a:off x="838200" y="963877"/>
+            <a:ext cx="3494362" cy="4930246"/>
+          </a:xfrm>
+        </p:spPr>
+        <p:txBody>
+          <a:bodyPr>
+            <a:normAutofit/>
+          </a:bodyPr>
+          <a:lstStyle/>
+          <a:p>
+            <a:pPr algn="r"/>
+            <a:r>
+              <a:rPr lang="en-US">
+                <a:solidFill>
+                  <a:schemeClr val="accent1"/>
+                </a:solidFill>
+              </a:rPr>
+              <a:t>Com velocidade inicial</a:t>
+            </a:r>
+            <a:endParaRPr lang="pt-BR">
+              <a:solidFill>
+                <a:schemeClr val="accent1"/>
+              </a:solidFill>
+            </a:endParaRPr>
+          </a:p>
+        </p:txBody>
+      </p:sp>
+      <p:cxnSp>
+        <p:nvCxnSpPr>
+          <p:cNvPr id="15" name="Straight Connector 9">
+            <a:extLst>
+              <a:ext uri="{FF2B5EF4-FFF2-40B4-BE49-F238E27FC236}">
+                <a16:creationId xmlns:a16="http://schemas.microsoft.com/office/drawing/2014/main" id="{2D72A2C9-F3CA-4216-8BAD-FA4C970C3C4E}"/>
+              </a:ext>
+              <a:ext uri="{C183D7F6-B498-43B3-948B-1728B52AA6E4}">
+                <adec:decorative xmlns:adec="http://schemas.microsoft.com/office/drawing/2017/decorative" val="1"/>
+              </a:ext>
+            </a:extLst>
+          </p:cNvPr>
+          <p:cNvCxnSpPr>
+            <a:cxnSpLocks noGrp="1" noRot="1" noChangeAspect="1" noMove="1" noResize="1" noEditPoints="1" noAdjustHandles="1" noChangeArrowheads="1" noChangeShapeType="1"/>
+          </p:cNvCxnSpPr>
+          <p:nvPr>
+            <p:extLst>
+              <p:ext uri="{386F3935-93C4-4BCD-93E2-E3B085C9AB24}">
+                <p16:designElem xmlns:p16="http://schemas.microsoft.com/office/powerpoint/2015/main" val="1"/>
+              </p:ext>
+            </p:extLst>
+          </p:nvPr>
+        </p:nvCxnSpPr>
+        <p:spPr>
+          <a:xfrm>
+            <a:off x="4654296" y="2057400"/>
+            <a:ext cx="0" cy="2743200"/>
+          </a:xfrm>
+          <a:prstGeom prst="line">
+            <a:avLst/>
+          </a:prstGeom>
+          <a:ln w="19050">
+            <a:solidFill>
+              <a:schemeClr val="tx1">
+                <a:lumMod val="85000"/>
+                <a:lumOff val="15000"/>
+              </a:schemeClr>
+            </a:solidFill>
+          </a:ln>
+        </p:spPr>
+        <p:style>
+          <a:lnRef idx="1">
+            <a:schemeClr val="accent1"/>
+          </a:lnRef>
+          <a:fillRef idx="0">
+            <a:schemeClr val="accent1"/>
+          </a:fillRef>
+          <a:effectRef idx="0">
+            <a:schemeClr val="accent1"/>
+          </a:effectRef>
+          <a:fontRef idx="minor">
+            <a:schemeClr val="tx1"/>
+          </a:fontRef>
+        </p:style>
+      </p:cxnSp>
+      <mc:AlternateContent xmlns:mc="http://schemas.openxmlformats.org/markup-compatibility/2006">
+        <mc:Choice xmlns:a14="http://schemas.microsoft.com/office/drawing/2010/main" Requires="a14">
+          <p:sp>
+            <p:nvSpPr>
+              <p:cNvPr id="3" name="Espaço Reservado para Conteúdo 2">
+                <a:extLst>
+                  <a:ext uri="{FF2B5EF4-FFF2-40B4-BE49-F238E27FC236}">
+                    <a16:creationId xmlns:a16="http://schemas.microsoft.com/office/drawing/2014/main" id="{5DC6802F-132E-4308-9826-5AE2E939671F}"/>
+                  </a:ext>
+                </a:extLst>
+              </p:cNvPr>
+              <p:cNvSpPr>
+                <a:spLocks noGrp="1"/>
+              </p:cNvSpPr>
+              <p:nvPr>
+                <p:ph idx="1"/>
+              </p:nvPr>
+            </p:nvSpPr>
+            <p:spPr>
+              <a:xfrm>
+                <a:off x="4976031" y="963877"/>
+                <a:ext cx="6377769" cy="4930246"/>
+              </a:xfrm>
+            </p:spPr>
+            <p:txBody>
+              <a:bodyPr anchor="ctr">
+                <a:normAutofit/>
+              </a:bodyPr>
+              <a:lstStyle/>
+              <a:p>
+                <a:pPr marL="0" indent="0">
+                  <a:buNone/>
+                </a:pPr>
+                <a:r>
+                  <a:rPr lang="en-US" sz="2400" dirty="0"/>
+                  <a:t> </a:t>
+                </a:r>
+                <a14:m>
+                  <m:oMath xmlns:m="http://schemas.openxmlformats.org/officeDocument/2006/math">
+                    <m:r>
+                      <a:rPr lang="en-US" sz="2400" b="0" i="1">
+                        <a:latin typeface="Cambria Math" panose="02040503050406030204" pitchFamily="18" charset="0"/>
+                      </a:rPr>
+                      <m:t>𝑣</m:t>
+                    </m:r>
+                    <m:r>
+                      <a:rPr lang="en-US" sz="2400" b="0" i="1">
+                        <a:latin typeface="Cambria Math" panose="02040503050406030204" pitchFamily="18" charset="0"/>
+                      </a:rPr>
+                      <m:t>=</m:t>
+                    </m:r>
+                    <m:r>
+                      <a:rPr lang="en-US" sz="2400" b="0" i="1">
+                        <a:latin typeface="Cambria Math" panose="02040503050406030204" pitchFamily="18" charset="0"/>
+                      </a:rPr>
+                      <m:t>𝑘</m:t>
+                    </m:r>
+                    <m:r>
+                      <a:rPr lang="en-US" sz="2400" b="0" i="1">
+                        <a:latin typeface="Cambria Math" panose="02040503050406030204" pitchFamily="18" charset="0"/>
+                        <a:ea typeface="Cambria Math" panose="02040503050406030204" pitchFamily="18" charset="0"/>
+                      </a:rPr>
+                      <m:t>∙</m:t>
+                    </m:r>
+                    <m:rad>
+                      <m:radPr>
+                        <m:degHide m:val="on"/>
+                        <m:ctrlPr>
+                          <a:rPr lang="en-US" sz="2400" b="0" i="1">
+                            <a:latin typeface="Cambria Math" panose="02040503050406030204" pitchFamily="18" charset="0"/>
+                            <a:ea typeface="Cambria Math" panose="02040503050406030204" pitchFamily="18" charset="0"/>
+                          </a:rPr>
+                        </m:ctrlPr>
+                      </m:radPr>
+                      <m:deg/>
+                      <m:e>
+                        <m:r>
+                          <a:rPr lang="en-US" sz="2400" b="0" i="1">
+                            <a:latin typeface="Cambria Math" panose="02040503050406030204" pitchFamily="18" charset="0"/>
+                            <a:ea typeface="Cambria Math" panose="02040503050406030204" pitchFamily="18" charset="0"/>
+                          </a:rPr>
+                          <m:t>h</m:t>
+                        </m:r>
+                        <m:r>
+                          <a:rPr lang="en-US" sz="2400" b="0" i="1">
+                            <a:latin typeface="Cambria Math" panose="02040503050406030204" pitchFamily="18" charset="0"/>
+                            <a:ea typeface="Cambria Math" panose="02040503050406030204" pitchFamily="18" charset="0"/>
+                          </a:rPr>
+                          <m:t>+</m:t>
+                        </m:r>
+                        <m:r>
+                          <a:rPr lang="en-US" sz="2400" b="0" i="1">
+                            <a:latin typeface="Cambria Math" panose="02040503050406030204" pitchFamily="18" charset="0"/>
+                            <a:ea typeface="Cambria Math" panose="02040503050406030204" pitchFamily="18" charset="0"/>
+                          </a:rPr>
+                          <m:t>𝑐</m:t>
+                        </m:r>
+                      </m:e>
+                    </m:rad>
+                  </m:oMath>
+                </a14:m>
+                <a:endParaRPr lang="pt-BR" sz="2400" dirty="0"/>
+              </a:p>
+              <a:p>
+                <a:pPr marL="0" indent="0">
+                  <a:buNone/>
+                </a:pPr>
+                <a:endParaRPr lang="pt-BR" sz="2400" dirty="0"/>
+              </a:p>
+              <a:p>
+                <a:pPr marL="0" indent="0">
+                  <a:buNone/>
+                </a:pPr>
+                <a:endParaRPr lang="pt-BR" sz="2400" dirty="0"/>
+              </a:p>
+            </p:txBody>
+          </p:sp>
+        </mc:Choice>
+        <mc:Fallback>
+          <p:sp>
+            <p:nvSpPr>
+              <p:cNvPr id="3" name="Espaço Reservado para Conteúdo 2">
+                <a:extLst>
+                  <a:ext uri="{FF2B5EF4-FFF2-40B4-BE49-F238E27FC236}">
+                    <a16:creationId xmlns:a16="http://schemas.microsoft.com/office/drawing/2014/main" id="{5DC6802F-132E-4308-9826-5AE2E939671F}"/>
+                  </a:ext>
+                </a:extLst>
+              </p:cNvPr>
+              <p:cNvSpPr>
+                <a:spLocks noGrp="1" noRot="1" noChangeAspect="1" noMove="1" noResize="1" noEditPoints="1" noAdjustHandles="1" noChangeArrowheads="1" noChangeShapeType="1" noTextEdit="1"/>
+              </p:cNvSpPr>
+              <p:nvPr>
+                <p:ph idx="1"/>
+              </p:nvPr>
+            </p:nvSpPr>
+            <p:spPr>
+              <a:xfrm>
+                <a:off x="4976031" y="963877"/>
+                <a:ext cx="6377769" cy="4930246"/>
+              </a:xfrm>
+              <a:blipFill>
+                <a:blip r:embed="rId2"/>
+                <a:stretch>
+                  <a:fillRect/>
+                </a:stretch>
+              </a:blipFill>
+            </p:spPr>
+            <p:txBody>
+              <a:bodyPr/>
+              <a:lstStyle/>
+              <a:p>
+                <a:r>
+                  <a:rPr lang="pt-BR">
+                    <a:noFill/>
+                  </a:rPr>
+                  <a:t> </a:t>
+                </a:r>
+              </a:p>
+            </p:txBody>
+          </p:sp>
+        </mc:Fallback>
+      </mc:AlternateContent>
+    </p:spTree>
+    <p:extLst>
+      <p:ext uri="{BB962C8B-B14F-4D97-AF65-F5344CB8AC3E}">
+        <p14:creationId xmlns:p14="http://schemas.microsoft.com/office/powerpoint/2010/main" val="2127016855"/>
+      </p:ext>
+    </p:extLst>
+  </p:cSld>
+  <p:clrMapOvr>
+    <a:masterClrMapping/>
+  </p:clrMapOvr>
+</p:sld>
+</file>
+
+<file path=ppt/slides/slide11.xml><?xml version="1.0" encoding="utf-8"?>
+<p:sld xmlns:a="http://schemas.openxmlformats.org/drawingml/2006/main" xmlns:r="http://schemas.openxmlformats.org/officeDocument/2006/relationships" xmlns:p="http://schemas.openxmlformats.org/presentationml/2006/main">
+  <p:cSld>
+    <p:bg>
+      <p:bgPr>
+        <a:solidFill>
+          <a:schemeClr val="bg1"/>
+        </a:solidFill>
+        <a:effectLst/>
+      </p:bgPr>
+    </p:bg>
+    <p:spTree>
+      <p:nvGrpSpPr>
+        <p:cNvPr id="1" name=""/>
+        <p:cNvGrpSpPr/>
+        <p:nvPr/>
+      </p:nvGrpSpPr>
+      <p:grpSpPr>
+        <a:xfrm>
+          <a:off x="0" y="0"/>
+          <a:ext cx="0" cy="0"/>
+          <a:chOff x="0" y="0"/>
+          <a:chExt cx="0" cy="0"/>
+        </a:xfrm>
+      </p:grpSpPr>
+      <p:sp>
+        <p:nvSpPr>
+          <p:cNvPr id="14" name="Rectangle 13">
+            <a:extLst>
+              <a:ext uri="{FF2B5EF4-FFF2-40B4-BE49-F238E27FC236}">
+                <a16:creationId xmlns:a16="http://schemas.microsoft.com/office/drawing/2014/main" id="{823AC064-BC96-4F32-8AE1-B2FD38754823}"/>
+              </a:ext>
+              <a:ext uri="{C183D7F6-B498-43B3-948B-1728B52AA6E4}">
+                <adec:decorative xmlns:adec="http://schemas.microsoft.com/office/drawing/2017/decorative" val="1"/>
+              </a:ext>
+            </a:extLst>
+          </p:cNvPr>
+          <p:cNvSpPr>
+            <a:spLocks noGrp="1" noRot="1" noChangeAspect="1" noMove="1" noResize="1" noEditPoints="1" noAdjustHandles="1" noChangeArrowheads="1" noChangeShapeType="1" noTextEdit="1"/>
+          </p:cNvSpPr>
+          <p:nvPr>
+            <p:extLst>
+              <p:ext uri="{386F3935-93C4-4BCD-93E2-E3B085C9AB24}">
+                <p16:designElem xmlns:p16="http://schemas.microsoft.com/office/powerpoint/2015/main" val="1"/>
+              </p:ext>
+            </p:extLst>
+          </p:nvPr>
+        </p:nvSpPr>
+        <p:spPr bwMode="ltGray">
+          <a:xfrm>
+            <a:off x="378068" y="343486"/>
+            <a:ext cx="11438793" cy="1844256"/>
+          </a:xfrm>
+          <a:prstGeom prst="rect">
+            <a:avLst/>
+          </a:prstGeom>
+          <a:solidFill>
+            <a:srgbClr val="404040"/>
+          </a:solidFill>
+          <a:ln w="127000" cap="sq" cmpd="thinThick">
+            <a:solidFill>
+              <a:srgbClr val="404040"/>
+            </a:solidFill>
+          </a:ln>
+        </p:spPr>
+        <p:style>
+          <a:lnRef idx="2">
+            <a:schemeClr val="accent1">
+              <a:shade val="50000"/>
+            </a:schemeClr>
+          </a:lnRef>
+          <a:fillRef idx="1">
+            <a:schemeClr val="accent1"/>
+          </a:fillRef>
+          <a:effectRef idx="0">
+            <a:schemeClr val="accent1"/>
+          </a:effectRef>
+          <a:fontRef idx="minor">
+            <a:schemeClr val="lt1"/>
+          </a:fontRef>
+        </p:style>
+        <p:txBody>
+          <a:bodyPr rtlCol="0" anchor="ctr"/>
+          <a:lstStyle/>
+          <a:p>
+            <a:pPr marL="0" marR="0" lvl="0" indent="0" algn="ctr" defTabSz="914400" rtl="0" eaLnBrk="1" fontAlgn="auto" latinLnBrk="0" hangingPunct="1">
+              <a:lnSpc>
+                <a:spcPct val="100000"/>
+              </a:lnSpc>
+              <a:spcBef>
+                <a:spcPts val="0"/>
+              </a:spcBef>
+              <a:spcAft>
+                <a:spcPts val="0"/>
+              </a:spcAft>
+              <a:buClrTx/>
+              <a:buSzTx/>
+              <a:buFontTx/>
+              <a:buNone/>
+              <a:tabLst/>
+              <a:defRPr/>
+            </a:pPr>
+            <a:endParaRPr kumimoji="0" lang="en-US" sz="1800" b="0" i="0" u="none" strike="noStrike" kern="1200" cap="none" spc="0" normalizeH="0" baseline="0" noProof="0">
+              <a:ln>
+                <a:noFill/>
+              </a:ln>
+              <a:solidFill>
+                <a:prstClr val="white"/>
+              </a:solidFill>
+              <a:effectLst/>
+              <a:uLnTx/>
+              <a:uFillTx/>
+              <a:latin typeface="Calibri" panose="020F0502020204030204"/>
+              <a:ea typeface="+mn-ea"/>
+              <a:cs typeface="+mn-cs"/>
+            </a:endParaRPr>
+          </a:p>
+        </p:txBody>
+      </p:sp>
+      <p:sp>
+        <p:nvSpPr>
+          <p:cNvPr id="2" name="Título 1">
+            <a:extLst>
+              <a:ext uri="{FF2B5EF4-FFF2-40B4-BE49-F238E27FC236}">
+                <a16:creationId xmlns:a16="http://schemas.microsoft.com/office/drawing/2014/main" id="{19FF1E7F-C8EE-4E34-A935-D99285DE9B13}"/>
+              </a:ext>
+            </a:extLst>
+          </p:cNvPr>
+          <p:cNvSpPr>
+            <a:spLocks noGrp="1"/>
+          </p:cNvSpPr>
+          <p:nvPr>
+            <p:ph type="title"/>
+          </p:nvPr>
+        </p:nvSpPr>
+        <p:spPr>
+          <a:xfrm>
+            <a:off x="526073" y="466578"/>
+            <a:ext cx="11139854" cy="930447"/>
+          </a:xfrm>
+        </p:spPr>
+        <p:txBody>
+          <a:bodyPr vert="horz" lIns="91440" tIns="45720" rIns="91440" bIns="45720" rtlCol="0" anchor="b">
+            <a:normAutofit/>
+          </a:bodyPr>
+          <a:lstStyle/>
+          <a:p>
+            <a:pPr algn="ctr"/>
+            <a:r>
+              <a:rPr lang="en-US" sz="5400" kern="1200">
+                <a:solidFill>
+                  <a:srgbClr val="FFFFFF"/>
+                </a:solidFill>
+                <a:latin typeface="+mj-lt"/>
+                <a:ea typeface="+mj-ea"/>
+                <a:cs typeface="+mj-cs"/>
+              </a:rPr>
+              <a:t>Analogia com o caso original</a:t>
+            </a:r>
+          </a:p>
+        </p:txBody>
+      </p:sp>
+      <p:cxnSp>
+        <p:nvCxnSpPr>
+          <p:cNvPr id="39" name="Straight Connector 15">
+            <a:extLst>
+              <a:ext uri="{FF2B5EF4-FFF2-40B4-BE49-F238E27FC236}">
+                <a16:creationId xmlns:a16="http://schemas.microsoft.com/office/drawing/2014/main" id="{7E7C77BC-7138-40B1-A15B-20F57A494629}"/>
+              </a:ext>
+              <a:ext uri="{C183D7F6-B498-43B3-948B-1728B52AA6E4}">
+                <adec:decorative xmlns:adec="http://schemas.microsoft.com/office/drawing/2017/decorative" val="1"/>
+              </a:ext>
+            </a:extLst>
+          </p:cNvPr>
+          <p:cNvCxnSpPr>
+            <a:cxnSpLocks noGrp="1" noRot="1" noChangeAspect="1" noMove="1" noResize="1" noEditPoints="1" noAdjustHandles="1" noChangeArrowheads="1" noChangeShapeType="1"/>
+          </p:cNvCxnSpPr>
+          <p:nvPr>
+            <p:extLst>
+              <p:ext uri="{386F3935-93C4-4BCD-93E2-E3B085C9AB24}">
+                <p16:designElem xmlns:p16="http://schemas.microsoft.com/office/powerpoint/2015/main" val="1"/>
+              </p:ext>
+            </p:extLst>
+          </p:nvPr>
+        </p:nvCxnSpPr>
+        <p:spPr>
+          <a:xfrm>
+            <a:off x="2209800" y="1448631"/>
+            <a:ext cx="7772400" cy="0"/>
+          </a:xfrm>
+          <a:prstGeom prst="line">
+            <a:avLst/>
+          </a:prstGeom>
+          <a:ln w="22225">
+            <a:solidFill>
+              <a:srgbClr val="D9D9D9"/>
+            </a:solidFill>
+          </a:ln>
+        </p:spPr>
+        <p:style>
+          <a:lnRef idx="1">
+            <a:schemeClr val="accent1"/>
+          </a:lnRef>
+          <a:fillRef idx="0">
+            <a:schemeClr val="accent1"/>
+          </a:fillRef>
+          <a:effectRef idx="0">
+            <a:schemeClr val="accent1"/>
+          </a:effectRef>
+          <a:fontRef idx="minor">
+            <a:schemeClr val="tx1"/>
+          </a:fontRef>
+        </p:style>
+      </p:cxnSp>
+      <p:pic>
+        <p:nvPicPr>
+          <p:cNvPr id="9" name="Espaço Reservado para Conteúdo 8">
+            <a:extLst>
+              <a:ext uri="{FF2B5EF4-FFF2-40B4-BE49-F238E27FC236}">
+                <a16:creationId xmlns:a16="http://schemas.microsoft.com/office/drawing/2014/main" id="{0196FB34-64FD-4BEC-AC51-D16708BA5E92}"/>
+              </a:ext>
+            </a:extLst>
+          </p:cNvPr>
+          <p:cNvPicPr>
+            <a:picLocks noGrp="1" noChangeAspect="1"/>
+          </p:cNvPicPr>
+          <p:nvPr>
+            <p:ph idx="1"/>
+          </p:nvPr>
+        </p:nvPicPr>
+        <p:blipFill>
+          <a:blip r:embed="rId2">
+            <a:extLst>
+              <a:ext uri="{28A0092B-C50C-407E-A947-70E740481C1C}">
+                <a14:useLocalDpi xmlns:a14="http://schemas.microsoft.com/office/drawing/2010/main" val="0"/>
+              </a:ext>
+            </a:extLst>
+          </a:blip>
+          <a:stretch>
+            <a:fillRect/>
+          </a:stretch>
+        </p:blipFill>
+        <p:spPr>
+          <a:xfrm>
+            <a:off x="554470" y="2509911"/>
+            <a:ext cx="11027961" cy="3997637"/>
+          </a:xfrm>
+          <a:prstGeom prst="rect">
+            <a:avLst/>
+          </a:prstGeom>
+        </p:spPr>
+      </p:pic>
+    </p:spTree>
+    <p:extLst>
+      <p:ext uri="{BB962C8B-B14F-4D97-AF65-F5344CB8AC3E}">
+        <p14:creationId xmlns:p14="http://schemas.microsoft.com/office/powerpoint/2010/main" val="1554236657"/>
+      </p:ext>
+    </p:extLst>
+  </p:cSld>
+  <p:clrMapOvr>
+    <a:masterClrMapping/>
+  </p:clrMapOvr>
+</p:sld>
+</file>
+
 <file path=ppt/slides/slide2.xml><?xml version="1.0" encoding="utf-8"?>
 <p:sld xmlns:a="http://schemas.openxmlformats.org/drawingml/2006/main" xmlns:r="http://schemas.openxmlformats.org/officeDocument/2006/relationships" xmlns:p="http://schemas.openxmlformats.org/presentationml/2006/main">
   <p:cSld>
@@ -7756,6 +8388,334 @@
 <file path=ppt/slides/slide6.xml><?xml version="1.0" encoding="utf-8"?>
 <p:sld xmlns:a="http://schemas.openxmlformats.org/drawingml/2006/main" xmlns:r="http://schemas.openxmlformats.org/officeDocument/2006/relationships" xmlns:p="http://schemas.openxmlformats.org/presentationml/2006/main">
   <p:cSld>
+    <p:bg>
+      <p:bgPr>
+        <a:solidFill>
+          <a:schemeClr val="bg1"/>
+        </a:solidFill>
+        <a:effectLst/>
+      </p:bgPr>
+    </p:bg>
+    <p:spTree>
+      <p:nvGrpSpPr>
+        <p:cNvPr id="1" name=""/>
+        <p:cNvGrpSpPr/>
+        <p:nvPr/>
+      </p:nvGrpSpPr>
+      <p:grpSpPr>
+        <a:xfrm>
+          <a:off x="0" y="0"/>
+          <a:ext cx="0" cy="0"/>
+          <a:chOff x="0" y="0"/>
+          <a:chExt cx="0" cy="0"/>
+        </a:xfrm>
+      </p:grpSpPr>
+      <p:sp>
+        <p:nvSpPr>
+          <p:cNvPr id="12" name="Rectangle 11">
+            <a:extLst>
+              <a:ext uri="{FF2B5EF4-FFF2-40B4-BE49-F238E27FC236}">
+                <a16:creationId xmlns:a16="http://schemas.microsoft.com/office/drawing/2014/main" id="{823AC064-BC96-4F32-8AE1-B2FD38754823}"/>
+              </a:ext>
+              <a:ext uri="{C183D7F6-B498-43B3-948B-1728B52AA6E4}">
+                <adec:decorative xmlns:adec="http://schemas.microsoft.com/office/drawing/2017/decorative" val="1"/>
+              </a:ext>
+            </a:extLst>
+          </p:cNvPr>
+          <p:cNvSpPr>
+            <a:spLocks noGrp="1" noRot="1" noChangeAspect="1" noMove="1" noResize="1" noEditPoints="1" noAdjustHandles="1" noChangeArrowheads="1" noChangeShapeType="1" noTextEdit="1"/>
+          </p:cNvSpPr>
+          <p:nvPr>
+            <p:extLst>
+              <p:ext uri="{386F3935-93C4-4BCD-93E2-E3B085C9AB24}">
+                <p16:designElem xmlns:p16="http://schemas.microsoft.com/office/powerpoint/2015/main" val="1"/>
+              </p:ext>
+            </p:extLst>
+          </p:nvPr>
+        </p:nvSpPr>
+        <p:spPr bwMode="ltGray">
+          <a:xfrm>
+            <a:off x="378068" y="343486"/>
+            <a:ext cx="11438793" cy="1844256"/>
+          </a:xfrm>
+          <a:prstGeom prst="rect">
+            <a:avLst/>
+          </a:prstGeom>
+          <a:solidFill>
+            <a:srgbClr val="404040"/>
+          </a:solidFill>
+          <a:ln w="127000" cap="sq" cmpd="thinThick">
+            <a:solidFill>
+              <a:srgbClr val="404040"/>
+            </a:solidFill>
+          </a:ln>
+        </p:spPr>
+        <p:style>
+          <a:lnRef idx="2">
+            <a:schemeClr val="accent1">
+              <a:shade val="50000"/>
+            </a:schemeClr>
+          </a:lnRef>
+          <a:fillRef idx="1">
+            <a:schemeClr val="accent1"/>
+          </a:fillRef>
+          <a:effectRef idx="0">
+            <a:schemeClr val="accent1"/>
+          </a:effectRef>
+          <a:fontRef idx="minor">
+            <a:schemeClr val="lt1"/>
+          </a:fontRef>
+        </p:style>
+        <p:txBody>
+          <a:bodyPr rtlCol="0" anchor="ctr"/>
+          <a:lstStyle/>
+          <a:p>
+            <a:pPr marL="0" marR="0" lvl="0" indent="0" algn="ctr" defTabSz="914400" rtl="0" eaLnBrk="1" fontAlgn="auto" latinLnBrk="0" hangingPunct="1">
+              <a:lnSpc>
+                <a:spcPct val="100000"/>
+              </a:lnSpc>
+              <a:spcBef>
+                <a:spcPts val="0"/>
+              </a:spcBef>
+              <a:spcAft>
+                <a:spcPts val="0"/>
+              </a:spcAft>
+              <a:buClrTx/>
+              <a:buSzTx/>
+              <a:buFontTx/>
+              <a:buNone/>
+              <a:tabLst/>
+              <a:defRPr/>
+            </a:pPr>
+            <a:endParaRPr kumimoji="0" lang="en-US" sz="1800" b="0" i="0" u="none" strike="noStrike" kern="1200" cap="none" spc="0" normalizeH="0" baseline="0" noProof="0">
+              <a:ln>
+                <a:noFill/>
+              </a:ln>
+              <a:solidFill>
+                <a:prstClr val="white"/>
+              </a:solidFill>
+              <a:effectLst/>
+              <a:uLnTx/>
+              <a:uFillTx/>
+              <a:latin typeface="Calibri" panose="020F0502020204030204"/>
+              <a:ea typeface="+mn-ea"/>
+              <a:cs typeface="+mn-cs"/>
+            </a:endParaRPr>
+          </a:p>
+        </p:txBody>
+      </p:sp>
+      <p:sp>
+        <p:nvSpPr>
+          <p:cNvPr id="4" name="Título 3">
+            <a:extLst>
+              <a:ext uri="{FF2B5EF4-FFF2-40B4-BE49-F238E27FC236}">
+                <a16:creationId xmlns:a16="http://schemas.microsoft.com/office/drawing/2014/main" id="{0DB1C3EE-7647-440D-81DB-7A8CD1F6C98E}"/>
+              </a:ext>
+            </a:extLst>
+          </p:cNvPr>
+          <p:cNvSpPr>
+            <a:spLocks noGrp="1"/>
+          </p:cNvSpPr>
+          <p:nvPr>
+            <p:ph type="title"/>
+          </p:nvPr>
+        </p:nvSpPr>
+        <p:spPr>
+          <a:xfrm>
+            <a:off x="526073" y="466578"/>
+            <a:ext cx="11139854" cy="930447"/>
+          </a:xfrm>
+        </p:spPr>
+        <p:txBody>
+          <a:bodyPr vert="horz" lIns="91440" tIns="45720" rIns="91440" bIns="45720" rtlCol="0" anchor="b">
+            <a:normAutofit/>
+          </a:bodyPr>
+          <a:lstStyle/>
+          <a:p>
+            <a:pPr algn="ctr"/>
+            <a:r>
+              <a:rPr lang="en-US" sz="5400" kern="1200" dirty="0">
+                <a:solidFill>
+                  <a:srgbClr val="FFFFFF"/>
+                </a:solidFill>
+                <a:latin typeface="+mj-lt"/>
+                <a:ea typeface="+mj-ea"/>
+                <a:cs typeface="+mj-cs"/>
+              </a:rPr>
+              <a:t> </a:t>
+            </a:r>
+            <a:r>
+              <a:rPr lang="en-US" sz="5400" kern="1200" dirty="0" err="1">
+                <a:solidFill>
+                  <a:srgbClr val="FFFFFF"/>
+                </a:solidFill>
+                <a:latin typeface="+mj-lt"/>
+                <a:ea typeface="+mj-ea"/>
+                <a:cs typeface="+mj-cs"/>
+              </a:rPr>
+              <a:t>Limite</a:t>
+            </a:r>
+            <a:r>
+              <a:rPr lang="en-US" sz="5400" kern="1200" dirty="0">
+                <a:solidFill>
+                  <a:srgbClr val="FFFFFF"/>
+                </a:solidFill>
+                <a:latin typeface="+mj-lt"/>
+                <a:ea typeface="+mj-ea"/>
+                <a:cs typeface="+mj-cs"/>
+              </a:rPr>
+              <a:t> com </a:t>
+            </a:r>
+            <a:r>
+              <a:rPr lang="en-US" sz="5400" kern="1200" dirty="0" err="1">
+                <a:solidFill>
+                  <a:srgbClr val="FFFFFF"/>
+                </a:solidFill>
+                <a:latin typeface="+mj-lt"/>
+                <a:ea typeface="+mj-ea"/>
+                <a:cs typeface="+mj-cs"/>
+              </a:rPr>
+              <a:t>infinitas</a:t>
+            </a:r>
+            <a:r>
+              <a:rPr lang="en-US" sz="5400" kern="1200" dirty="0">
+                <a:solidFill>
+                  <a:srgbClr val="FFFFFF"/>
+                </a:solidFill>
+                <a:latin typeface="+mj-lt"/>
+                <a:ea typeface="+mj-ea"/>
+                <a:cs typeface="+mj-cs"/>
+              </a:rPr>
+              <a:t> </a:t>
+            </a:r>
+            <a:r>
+              <a:rPr lang="en-US" sz="5400" kern="1200" dirty="0" err="1">
+                <a:solidFill>
+                  <a:srgbClr val="FFFFFF"/>
+                </a:solidFill>
+                <a:latin typeface="+mj-lt"/>
+                <a:ea typeface="+mj-ea"/>
+                <a:cs typeface="+mj-cs"/>
+              </a:rPr>
+              <a:t>camadas</a:t>
+            </a:r>
+            <a:endParaRPr lang="en-US" sz="5400" kern="1200" dirty="0">
+              <a:solidFill>
+                <a:srgbClr val="FFFFFF"/>
+              </a:solidFill>
+              <a:latin typeface="+mj-lt"/>
+              <a:ea typeface="+mj-ea"/>
+              <a:cs typeface="+mj-cs"/>
+            </a:endParaRPr>
+          </a:p>
+        </p:txBody>
+      </p:sp>
+      <p:cxnSp>
+        <p:nvCxnSpPr>
+          <p:cNvPr id="14" name="Straight Connector 13">
+            <a:extLst>
+              <a:ext uri="{FF2B5EF4-FFF2-40B4-BE49-F238E27FC236}">
+                <a16:creationId xmlns:a16="http://schemas.microsoft.com/office/drawing/2014/main" id="{7E7C77BC-7138-40B1-A15B-20F57A494629}"/>
+              </a:ext>
+              <a:ext uri="{C183D7F6-B498-43B3-948B-1728B52AA6E4}">
+                <adec:decorative xmlns:adec="http://schemas.microsoft.com/office/drawing/2017/decorative" val="1"/>
+              </a:ext>
+            </a:extLst>
+          </p:cNvPr>
+          <p:cNvCxnSpPr>
+            <a:cxnSpLocks noGrp="1" noRot="1" noChangeAspect="1" noMove="1" noResize="1" noEditPoints="1" noAdjustHandles="1" noChangeArrowheads="1" noChangeShapeType="1"/>
+          </p:cNvCxnSpPr>
+          <p:nvPr>
+            <p:extLst>
+              <p:ext uri="{386F3935-93C4-4BCD-93E2-E3B085C9AB24}">
+                <p16:designElem xmlns:p16="http://schemas.microsoft.com/office/powerpoint/2015/main" val="1"/>
+              </p:ext>
+            </p:extLst>
+          </p:nvPr>
+        </p:nvCxnSpPr>
+        <p:spPr>
+          <a:xfrm>
+            <a:off x="2209800" y="1448631"/>
+            <a:ext cx="7772400" cy="0"/>
+          </a:xfrm>
+          <a:prstGeom prst="line">
+            <a:avLst/>
+          </a:prstGeom>
+          <a:ln w="22225">
+            <a:solidFill>
+              <a:srgbClr val="D9D9D9"/>
+            </a:solidFill>
+          </a:ln>
+        </p:spPr>
+        <p:style>
+          <a:lnRef idx="1">
+            <a:schemeClr val="accent1"/>
+          </a:lnRef>
+          <a:fillRef idx="0">
+            <a:schemeClr val="accent1"/>
+          </a:fillRef>
+          <a:effectRef idx="0">
+            <a:schemeClr val="accent1"/>
+          </a:effectRef>
+          <a:fontRef idx="minor">
+            <a:schemeClr val="tx1"/>
+          </a:fontRef>
+        </p:style>
+      </p:cxnSp>
+      <p:pic>
+        <p:nvPicPr>
+          <p:cNvPr id="7" name="Espaço Reservado para Conteúdo 6">
+            <a:extLst>
+              <a:ext uri="{FF2B5EF4-FFF2-40B4-BE49-F238E27FC236}">
+                <a16:creationId xmlns:a16="http://schemas.microsoft.com/office/drawing/2014/main" id="{0D6B175D-8485-44D1-A6ED-259046F29442}"/>
+              </a:ext>
+            </a:extLst>
+          </p:cNvPr>
+          <p:cNvPicPr>
+            <a:picLocks noGrp="1" noChangeAspect="1"/>
+          </p:cNvPicPr>
+          <p:nvPr>
+            <p:ph idx="1"/>
+          </p:nvPr>
+        </p:nvPicPr>
+        <p:blipFill>
+          <a:blip r:embed="rId2">
+            <a:extLst>
+              <a:ext uri="{28A0092B-C50C-407E-A947-70E740481C1C}">
+                <a14:useLocalDpi xmlns:a14="http://schemas.microsoft.com/office/drawing/2010/main" val="0"/>
+              </a:ext>
+            </a:extLst>
+          </a:blip>
+          <a:stretch>
+            <a:fillRect/>
+          </a:stretch>
+        </p:blipFill>
+        <p:spPr>
+          <a:xfrm>
+            <a:off x="320040" y="2568641"/>
+            <a:ext cx="11496821" cy="3880177"/>
+          </a:xfrm>
+          <a:prstGeom prst="rect">
+            <a:avLst/>
+          </a:prstGeom>
+        </p:spPr>
+      </p:pic>
+    </p:spTree>
+    <p:extLst>
+      <p:ext uri="{BB962C8B-B14F-4D97-AF65-F5344CB8AC3E}">
+        <p14:creationId xmlns:p14="http://schemas.microsoft.com/office/powerpoint/2010/main" val="2386010434"/>
+      </p:ext>
+    </p:extLst>
+  </p:cSld>
+  <p:clrMapOvr>
+    <a:masterClrMapping/>
+  </p:clrMapOvr>
+</p:sld>
+</file>
+
+<file path=ppt/slides/slide7.xml><?xml version="1.0" encoding="utf-8"?>
+<p:sld xmlns:a="http://schemas.openxmlformats.org/drawingml/2006/main" xmlns:r="http://schemas.openxmlformats.org/officeDocument/2006/relationships" xmlns:p="http://schemas.openxmlformats.org/presentationml/2006/main">
+  <p:cSld>
     <p:spTree>
       <p:nvGrpSpPr>
         <p:cNvPr id="1" name=""/>
@@ -7972,7 +8932,7 @@
 </p:sld>
 </file>
 
-<file path=ppt/slides/slide7.xml><?xml version="1.0" encoding="utf-8"?>
+<file path=ppt/slides/slide8.xml><?xml version="1.0" encoding="utf-8"?>
 <p:sld xmlns:a="http://schemas.openxmlformats.org/drawingml/2006/main" xmlns:r="http://schemas.openxmlformats.org/officeDocument/2006/relationships" xmlns:p="http://schemas.openxmlformats.org/presentationml/2006/main">
   <p:cSld>
     <p:bg>
@@ -8566,7 +9526,7 @@
 </p:sld>
 </file>
 
-<file path=ppt/slides/slide8.xml><?xml version="1.0" encoding="utf-8"?>
+<file path=ppt/slides/slide9.xml><?xml version="1.0" encoding="utf-8"?>
 <p:sld xmlns:a="http://schemas.openxmlformats.org/drawingml/2006/main" xmlns:r="http://schemas.openxmlformats.org/officeDocument/2006/relationships" xmlns:p="http://schemas.openxmlformats.org/presentationml/2006/main">
   <p:cSld>
     <p:bg>
@@ -8686,14 +9646,30 @@
           <a:p>
             <a:pPr algn="r"/>
             <a:r>
-              <a:rPr lang="en-US">
+              <a:rPr lang="en-US" dirty="0" err="1">
                 <a:solidFill>
                   <a:schemeClr val="accent1"/>
                 </a:solidFill>
               </a:rPr>
-              <a:t>Bolinha rolando</a:t>
+              <a:t>Bolinha</a:t>
             </a:r>
-            <a:endParaRPr lang="pt-BR">
+            <a:r>
+              <a:rPr lang="en-US" dirty="0">
+                <a:solidFill>
+                  <a:schemeClr val="accent1"/>
+                </a:solidFill>
+              </a:rPr>
+              <a:t> </a:t>
+            </a:r>
+            <a:r>
+              <a:rPr lang="en-US" dirty="0" err="1">
+                <a:solidFill>
+                  <a:schemeClr val="accent1"/>
+                </a:solidFill>
+              </a:rPr>
+              <a:t>rolando</a:t>
+            </a:r>
+            <a:endParaRPr lang="pt-BR" dirty="0">
               <a:solidFill>
                 <a:schemeClr val="accent1"/>
               </a:solidFill>
@@ -8942,7 +9918,7 @@
                     </m:oMath>
                   </m:oMathPara>
                 </a14:m>
-                <a:endParaRPr lang="en-US" sz="2400" b="0">
+                <a:endParaRPr lang="en-US" sz="2400" b="0" dirty="0">
                   <a:ea typeface="Cambria Math" panose="02040503050406030204" pitchFamily="18" charset="0"/>
                 </a:endParaRPr>
               </a:p>
@@ -8950,7 +9926,7 @@
                 <a:pPr marL="0" indent="0">
                   <a:buNone/>
                 </a:pPr>
-                <a:endParaRPr lang="en-US" sz="2400" b="0">
+                <a:endParaRPr lang="en-US" sz="2400" b="0" dirty="0">
                   <a:ea typeface="Cambria Math" panose="02040503050406030204" pitchFamily="18" charset="0"/>
                 </a:endParaRPr>
               </a:p>
@@ -8959,10 +9935,34 @@
                   <a:buNone/>
                 </a:pPr>
                 <a:r>
-                  <a:rPr lang="en-US" sz="2400">
+                  <a:rPr lang="en-US" sz="2400" dirty="0">
                     <a:ea typeface="Cambria Math" panose="02040503050406030204" pitchFamily="18" charset="0"/>
                   </a:rPr>
-                  <a:t>Como o rolamento é perfeito:  </a:t>
+                  <a:t>Como o </a:t>
+                </a:r>
+                <a:r>
+                  <a:rPr lang="en-US" sz="2400" dirty="0" err="1">
+                    <a:ea typeface="Cambria Math" panose="02040503050406030204" pitchFamily="18" charset="0"/>
+                  </a:rPr>
+                  <a:t>rolamento</a:t>
+                </a:r>
+                <a:r>
+                  <a:rPr lang="en-US" sz="2400" dirty="0">
+                    <a:ea typeface="Cambria Math" panose="02040503050406030204" pitchFamily="18" charset="0"/>
+                  </a:rPr>
+                  <a:t> é </a:t>
+                </a:r>
+                <a:r>
+                  <a:rPr lang="en-US" sz="2400" dirty="0" err="1">
+                    <a:ea typeface="Cambria Math" panose="02040503050406030204" pitchFamily="18" charset="0"/>
+                  </a:rPr>
+                  <a:t>perfeito</a:t>
+                </a:r>
+                <a:r>
+                  <a:rPr lang="en-US" sz="2400" dirty="0">
+                    <a:ea typeface="Cambria Math" panose="02040503050406030204" pitchFamily="18" charset="0"/>
+                  </a:rPr>
+                  <a:t>:  </a:t>
                 </a:r>
                 <a14:m>
                   <m:oMath xmlns:m="http://schemas.openxmlformats.org/officeDocument/2006/math">
@@ -9003,7 +10003,7 @@
                     </m:r>
                   </m:oMath>
                 </a14:m>
-                <a:endParaRPr lang="en-US" sz="2400" b="0">
+                <a:endParaRPr lang="en-US" sz="2400" b="0" dirty="0">
                   <a:ea typeface="Cambria Math" panose="02040503050406030204" pitchFamily="18" charset="0"/>
                 </a:endParaRPr>
               </a:p>
@@ -9011,7 +10011,7 @@
                 <a:pPr marL="0" indent="0">
                   <a:buNone/>
                 </a:pPr>
-                <a:endParaRPr lang="en-US" sz="2400">
+                <a:endParaRPr lang="en-US" sz="2400" dirty="0">
                   <a:ea typeface="Cambria Math" panose="02040503050406030204" pitchFamily="18" charset="0"/>
                 </a:endParaRPr>
               </a:p>
@@ -9020,10 +10020,16 @@
                   <a:buNone/>
                 </a:pPr>
                 <a:r>
-                  <a:rPr lang="en-US" sz="2400">
+                  <a:rPr lang="en-US" sz="2400" dirty="0" err="1">
                     <a:ea typeface="Cambria Math" panose="02040503050406030204" pitchFamily="18" charset="0"/>
                   </a:rPr>
-                  <a:t>Finalmente:</a:t>
+                  <a:t>Finalmente</a:t>
+                </a:r>
+                <a:r>
+                  <a:rPr lang="en-US" sz="2400" dirty="0">
+                    <a:ea typeface="Cambria Math" panose="02040503050406030204" pitchFamily="18" charset="0"/>
+                  </a:rPr>
+                  <a:t>:</a:t>
                 </a:r>
                 <a14:m>
                   <m:oMath xmlns:m="http://schemas.openxmlformats.org/officeDocument/2006/math">
@@ -9163,7 +10169,7 @@
                   </m:oMath>
                 </a14:m>
                 <a:r>
-                  <a:rPr lang="en-US" sz="2400">
+                  <a:rPr lang="en-US" sz="2400" dirty="0">
                     <a:ea typeface="Cambria Math" panose="02040503050406030204" pitchFamily="18" charset="0"/>
                   </a:rPr>
                   <a:t> </a:t>
@@ -9180,7 +10186,7 @@
                   </m:oMath>
                 </a14:m>
                 <a:r>
-                  <a:rPr lang="en-US" sz="2400">
+                  <a:rPr lang="en-US" sz="2400" dirty="0">
                     <a:ea typeface="Cambria Math" panose="02040503050406030204" pitchFamily="18" charset="0"/>
                   </a:rPr>
                   <a:t>         </a:t>
@@ -9231,7 +10237,7 @@
                     </m:rad>
                   </m:oMath>
                 </a14:m>
-                <a:endParaRPr lang="en-US" sz="2400" b="0">
+                <a:endParaRPr lang="en-US" sz="2400" b="0" dirty="0">
                   <a:ea typeface="Cambria Math" panose="02040503050406030204" pitchFamily="18" charset="0"/>
                 </a:endParaRPr>
               </a:p>
@@ -9239,7 +10245,7 @@
                 <a:pPr marL="0" indent="0">
                   <a:buNone/>
                 </a:pPr>
-                <a:endParaRPr lang="pt-BR" sz="2400"/>
+                <a:endParaRPr lang="pt-BR" sz="2400" dirty="0"/>
               </a:p>
             </p:txBody>
           </p:sp>
@@ -9292,371 +10298,6 @@
     <p:extLst>
       <p:ext uri="{BB962C8B-B14F-4D97-AF65-F5344CB8AC3E}">
         <p14:creationId xmlns:p14="http://schemas.microsoft.com/office/powerpoint/2010/main" val="695967794"/>
-      </p:ext>
-    </p:extLst>
-  </p:cSld>
-  <p:clrMapOvr>
-    <a:masterClrMapping/>
-  </p:clrMapOvr>
-</p:sld>
-</file>
-
-<file path=ppt/slides/slide9.xml><?xml version="1.0" encoding="utf-8"?>
-<p:sld xmlns:a="http://schemas.openxmlformats.org/drawingml/2006/main" xmlns:r="http://schemas.openxmlformats.org/officeDocument/2006/relationships" xmlns:p="http://schemas.openxmlformats.org/presentationml/2006/main">
-  <p:cSld>
-    <p:bg>
-      <p:bgPr>
-        <a:solidFill>
-          <a:schemeClr val="bg1"/>
-        </a:solidFill>
-        <a:effectLst/>
-      </p:bgPr>
-    </p:bg>
-    <p:spTree>
-      <p:nvGrpSpPr>
-        <p:cNvPr id="1" name=""/>
-        <p:cNvGrpSpPr/>
-        <p:nvPr/>
-      </p:nvGrpSpPr>
-      <p:grpSpPr>
-        <a:xfrm>
-          <a:off x="0" y="0"/>
-          <a:ext cx="0" cy="0"/>
-          <a:chOff x="0" y="0"/>
-          <a:chExt cx="0" cy="0"/>
-        </a:xfrm>
-      </p:grpSpPr>
-      <p:sp>
-        <p:nvSpPr>
-          <p:cNvPr id="14" name="Rectangle 7">
-            <a:extLst>
-              <a:ext uri="{FF2B5EF4-FFF2-40B4-BE49-F238E27FC236}">
-                <a16:creationId xmlns:a16="http://schemas.microsoft.com/office/drawing/2014/main" id="{8D70B121-56F4-4848-B38B-182089D909FA}"/>
-              </a:ext>
-              <a:ext uri="{C183D7F6-B498-43B3-948B-1728B52AA6E4}">
-                <adec:decorative xmlns:adec="http://schemas.microsoft.com/office/drawing/2017/decorative" val="1"/>
-              </a:ext>
-            </a:extLst>
-          </p:cNvPr>
-          <p:cNvSpPr>
-            <a:spLocks noGrp="1" noRot="1" noChangeAspect="1" noMove="1" noResize="1" noEditPoints="1" noAdjustHandles="1" noChangeArrowheads="1" noChangeShapeType="1" noTextEdit="1"/>
-          </p:cNvSpPr>
-          <p:nvPr>
-            <p:extLst>
-              <p:ext uri="{386F3935-93C4-4BCD-93E2-E3B085C9AB24}">
-                <p16:designElem xmlns:p16="http://schemas.microsoft.com/office/powerpoint/2015/main" val="1"/>
-              </p:ext>
-            </p:extLst>
-          </p:nvPr>
-        </p:nvSpPr>
-        <p:spPr bwMode="ltGray">
-          <a:xfrm>
-            <a:off x="321564" y="320040"/>
-            <a:ext cx="11548872" cy="6217920"/>
-          </a:xfrm>
-          <a:prstGeom prst="rect">
-            <a:avLst/>
-          </a:prstGeom>
-          <a:solidFill>
-            <a:schemeClr val="tx1">
-              <a:alpha val="8000"/>
-            </a:schemeClr>
-          </a:solidFill>
-          <a:ln w="127000" cap="sq" cmpd="thinThick">
-            <a:noFill/>
-          </a:ln>
-        </p:spPr>
-        <p:style>
-          <a:lnRef idx="2">
-            <a:schemeClr val="accent1">
-              <a:shade val="50000"/>
-            </a:schemeClr>
-          </a:lnRef>
-          <a:fillRef idx="1">
-            <a:schemeClr val="accent1"/>
-          </a:fillRef>
-          <a:effectRef idx="0">
-            <a:schemeClr val="accent1"/>
-          </a:effectRef>
-          <a:fontRef idx="minor">
-            <a:schemeClr val="lt1"/>
-          </a:fontRef>
-        </p:style>
-        <p:txBody>
-          <a:bodyPr rtlCol="0" anchor="ctr"/>
-          <a:lstStyle/>
-          <a:p>
-            <a:pPr algn="ctr"/>
-            <a:endParaRPr lang="en-US"/>
-          </a:p>
-        </p:txBody>
-      </p:sp>
-      <p:sp>
-        <p:nvSpPr>
-          <p:cNvPr id="2" name="Título 1">
-            <a:extLst>
-              <a:ext uri="{FF2B5EF4-FFF2-40B4-BE49-F238E27FC236}">
-                <a16:creationId xmlns:a16="http://schemas.microsoft.com/office/drawing/2014/main" id="{730D51E4-49A3-4D45-83E2-80F609A70FDE}"/>
-              </a:ext>
-            </a:extLst>
-          </p:cNvPr>
-          <p:cNvSpPr>
-            <a:spLocks noGrp="1"/>
-          </p:cNvSpPr>
-          <p:nvPr>
-            <p:ph type="title"/>
-          </p:nvPr>
-        </p:nvSpPr>
-        <p:spPr>
-          <a:xfrm>
-            <a:off x="838200" y="963877"/>
-            <a:ext cx="3494362" cy="4930246"/>
-          </a:xfrm>
-        </p:spPr>
-        <p:txBody>
-          <a:bodyPr>
-            <a:normAutofit/>
-          </a:bodyPr>
-          <a:lstStyle/>
-          <a:p>
-            <a:pPr algn="r"/>
-            <a:r>
-              <a:rPr lang="en-US">
-                <a:solidFill>
-                  <a:schemeClr val="accent1"/>
-                </a:solidFill>
-              </a:rPr>
-              <a:t>Com velocidade inicial</a:t>
-            </a:r>
-            <a:endParaRPr lang="pt-BR">
-              <a:solidFill>
-                <a:schemeClr val="accent1"/>
-              </a:solidFill>
-            </a:endParaRPr>
-          </a:p>
-        </p:txBody>
-      </p:sp>
-      <p:cxnSp>
-        <p:nvCxnSpPr>
-          <p:cNvPr id="15" name="Straight Connector 9">
-            <a:extLst>
-              <a:ext uri="{FF2B5EF4-FFF2-40B4-BE49-F238E27FC236}">
-                <a16:creationId xmlns:a16="http://schemas.microsoft.com/office/drawing/2014/main" id="{2D72A2C9-F3CA-4216-8BAD-FA4C970C3C4E}"/>
-              </a:ext>
-              <a:ext uri="{C183D7F6-B498-43B3-948B-1728B52AA6E4}">
-                <adec:decorative xmlns:adec="http://schemas.microsoft.com/office/drawing/2017/decorative" val="1"/>
-              </a:ext>
-            </a:extLst>
-          </p:cNvPr>
-          <p:cNvCxnSpPr>
-            <a:cxnSpLocks noGrp="1" noRot="1" noChangeAspect="1" noMove="1" noResize="1" noEditPoints="1" noAdjustHandles="1" noChangeArrowheads="1" noChangeShapeType="1"/>
-          </p:cNvCxnSpPr>
-          <p:nvPr>
-            <p:extLst>
-              <p:ext uri="{386F3935-93C4-4BCD-93E2-E3B085C9AB24}">
-                <p16:designElem xmlns:p16="http://schemas.microsoft.com/office/powerpoint/2015/main" val="1"/>
-              </p:ext>
-            </p:extLst>
-          </p:nvPr>
-        </p:nvCxnSpPr>
-        <p:spPr>
-          <a:xfrm>
-            <a:off x="4654296" y="2057400"/>
-            <a:ext cx="0" cy="2743200"/>
-          </a:xfrm>
-          <a:prstGeom prst="line">
-            <a:avLst/>
-          </a:prstGeom>
-          <a:ln w="19050">
-            <a:solidFill>
-              <a:schemeClr val="tx1">
-                <a:lumMod val="85000"/>
-                <a:lumOff val="15000"/>
-              </a:schemeClr>
-            </a:solidFill>
-          </a:ln>
-        </p:spPr>
-        <p:style>
-          <a:lnRef idx="1">
-            <a:schemeClr val="accent1"/>
-          </a:lnRef>
-          <a:fillRef idx="0">
-            <a:schemeClr val="accent1"/>
-          </a:fillRef>
-          <a:effectRef idx="0">
-            <a:schemeClr val="accent1"/>
-          </a:effectRef>
-          <a:fontRef idx="minor">
-            <a:schemeClr val="tx1"/>
-          </a:fontRef>
-        </p:style>
-      </p:cxnSp>
-      <mc:AlternateContent xmlns:mc="http://schemas.openxmlformats.org/markup-compatibility/2006">
-        <mc:Choice xmlns:a14="http://schemas.microsoft.com/office/drawing/2010/main" Requires="a14">
-          <p:sp>
-            <p:nvSpPr>
-              <p:cNvPr id="3" name="Espaço Reservado para Conteúdo 2">
-                <a:extLst>
-                  <a:ext uri="{FF2B5EF4-FFF2-40B4-BE49-F238E27FC236}">
-                    <a16:creationId xmlns:a16="http://schemas.microsoft.com/office/drawing/2014/main" id="{5DC6802F-132E-4308-9826-5AE2E939671F}"/>
-                  </a:ext>
-                </a:extLst>
-              </p:cNvPr>
-              <p:cNvSpPr>
-                <a:spLocks noGrp="1"/>
-              </p:cNvSpPr>
-              <p:nvPr>
-                <p:ph idx="1"/>
-              </p:nvPr>
-            </p:nvSpPr>
-            <p:spPr>
-              <a:xfrm>
-                <a:off x="4976031" y="963877"/>
-                <a:ext cx="6377769" cy="4930246"/>
-              </a:xfrm>
-            </p:spPr>
-            <p:txBody>
-              <a:bodyPr anchor="ctr">
-                <a:normAutofit/>
-              </a:bodyPr>
-              <a:lstStyle/>
-              <a:p>
-                <a:pPr marL="0" indent="0">
-                  <a:buNone/>
-                </a:pPr>
-                <a:r>
-                  <a:rPr lang="en-US" sz="2400" dirty="0"/>
-                  <a:t> </a:t>
-                </a:r>
-                <a14:m>
-                  <m:oMath xmlns:m="http://schemas.openxmlformats.org/officeDocument/2006/math">
-                    <m:r>
-                      <a:rPr lang="en-US" sz="2400" b="0" i="1">
-                        <a:latin typeface="Cambria Math" panose="02040503050406030204" pitchFamily="18" charset="0"/>
-                      </a:rPr>
-                      <m:t>𝑣</m:t>
-                    </m:r>
-                    <m:r>
-                      <a:rPr lang="en-US" sz="2400" b="0" i="1">
-                        <a:latin typeface="Cambria Math" panose="02040503050406030204" pitchFamily="18" charset="0"/>
-                      </a:rPr>
-                      <m:t>=</m:t>
-                    </m:r>
-                    <m:r>
-                      <a:rPr lang="en-US" sz="2400" b="0" i="1">
-                        <a:latin typeface="Cambria Math" panose="02040503050406030204" pitchFamily="18" charset="0"/>
-                      </a:rPr>
-                      <m:t>𝑘</m:t>
-                    </m:r>
-                    <m:r>
-                      <a:rPr lang="en-US" sz="2400" b="0" i="1">
-                        <a:latin typeface="Cambria Math" panose="02040503050406030204" pitchFamily="18" charset="0"/>
-                        <a:ea typeface="Cambria Math" panose="02040503050406030204" pitchFamily="18" charset="0"/>
-                      </a:rPr>
-                      <m:t>∙</m:t>
-                    </m:r>
-                    <m:rad>
-                      <m:radPr>
-                        <m:degHide m:val="on"/>
-                        <m:ctrlPr>
-                          <a:rPr lang="en-US" sz="2400" b="0" i="1">
-                            <a:latin typeface="Cambria Math" panose="02040503050406030204" pitchFamily="18" charset="0"/>
-                            <a:ea typeface="Cambria Math" panose="02040503050406030204" pitchFamily="18" charset="0"/>
-                          </a:rPr>
-                        </m:ctrlPr>
-                      </m:radPr>
-                      <m:deg/>
-                      <m:e>
-                        <m:r>
-                          <a:rPr lang="en-US" sz="2400" b="0" i="1">
-                            <a:latin typeface="Cambria Math" panose="02040503050406030204" pitchFamily="18" charset="0"/>
-                            <a:ea typeface="Cambria Math" panose="02040503050406030204" pitchFamily="18" charset="0"/>
-                          </a:rPr>
-                          <m:t>h</m:t>
-                        </m:r>
-                        <m:r>
-                          <a:rPr lang="en-US" sz="2400" b="0" i="1">
-                            <a:latin typeface="Cambria Math" panose="02040503050406030204" pitchFamily="18" charset="0"/>
-                            <a:ea typeface="Cambria Math" panose="02040503050406030204" pitchFamily="18" charset="0"/>
-                          </a:rPr>
-                          <m:t>+</m:t>
-                        </m:r>
-                        <m:r>
-                          <a:rPr lang="en-US" sz="2400" b="0" i="1">
-                            <a:latin typeface="Cambria Math" panose="02040503050406030204" pitchFamily="18" charset="0"/>
-                            <a:ea typeface="Cambria Math" panose="02040503050406030204" pitchFamily="18" charset="0"/>
-                          </a:rPr>
-                          <m:t>𝑐</m:t>
-                        </m:r>
-                      </m:e>
-                    </m:rad>
-                  </m:oMath>
-                </a14:m>
-                <a:endParaRPr lang="pt-BR" sz="2400" dirty="0"/>
-              </a:p>
-              <a:p>
-                <a:pPr marL="0" indent="0">
-                  <a:buNone/>
-                </a:pPr>
-                <a:endParaRPr lang="pt-BR" sz="2400" dirty="0"/>
-              </a:p>
-              <a:p>
-                <a:pPr marL="0" indent="0">
-                  <a:buNone/>
-                </a:pPr>
-                <a:endParaRPr lang="pt-BR" sz="2400" dirty="0"/>
-              </a:p>
-            </p:txBody>
-          </p:sp>
-        </mc:Choice>
-        <mc:Fallback>
-          <p:sp>
-            <p:nvSpPr>
-              <p:cNvPr id="3" name="Espaço Reservado para Conteúdo 2">
-                <a:extLst>
-                  <a:ext uri="{FF2B5EF4-FFF2-40B4-BE49-F238E27FC236}">
-                    <a16:creationId xmlns:a16="http://schemas.microsoft.com/office/drawing/2014/main" id="{5DC6802F-132E-4308-9826-5AE2E939671F}"/>
-                  </a:ext>
-                </a:extLst>
-              </p:cNvPr>
-              <p:cNvSpPr>
-                <a:spLocks noGrp="1" noRot="1" noChangeAspect="1" noMove="1" noResize="1" noEditPoints="1" noAdjustHandles="1" noChangeArrowheads="1" noChangeShapeType="1" noTextEdit="1"/>
-              </p:cNvSpPr>
-              <p:nvPr>
-                <p:ph idx="1"/>
-              </p:nvPr>
-            </p:nvSpPr>
-            <p:spPr>
-              <a:xfrm>
-                <a:off x="4976031" y="963877"/>
-                <a:ext cx="6377769" cy="4930246"/>
-              </a:xfrm>
-              <a:blipFill>
-                <a:blip r:embed="rId2"/>
-                <a:stretch>
-                  <a:fillRect/>
-                </a:stretch>
-              </a:blipFill>
-            </p:spPr>
-            <p:txBody>
-              <a:bodyPr/>
-              <a:lstStyle/>
-              <a:p>
-                <a:r>
-                  <a:rPr lang="pt-BR">
-                    <a:noFill/>
-                  </a:rPr>
-                  <a:t> </a:t>
-                </a:r>
-              </a:p>
-            </p:txBody>
-          </p:sp>
-        </mc:Fallback>
-      </mc:AlternateContent>
-    </p:spTree>
-    <p:extLst>
-      <p:ext uri="{BB962C8B-B14F-4D97-AF65-F5344CB8AC3E}">
-        <p14:creationId xmlns:p14="http://schemas.microsoft.com/office/powerpoint/2010/main" val="2127016855"/>
       </p:ext>
     </p:extLst>
   </p:cSld>
